--- a/Project_2_Simon.pptx
+++ b/Project_2_Simon.pptx
@@ -11,6 +11,7 @@
     <p:sldId id="265" r:id="rId5"/>
     <p:sldId id="266" r:id="rId6"/>
     <p:sldId id="267" r:id="rId7"/>
+    <p:sldId id="268" r:id="rId8"/>
   </p:sldIdLst>
   <p:sldSz cx="12192000" cy="6858000"/>
   <p:notesSz cx="6858000" cy="9144000"/>
@@ -13157,12 +13158,207 @@
               <a:t>Holding period parameters may be arbitrary</a:t>
             </a:r>
           </a:p>
+          <a:p>
+            <a:r>
+              <a:rPr lang="en-AU" dirty="0"/>
+              <a:t>ROI calculated based on total capital invested since simultaneous positions may exist</a:t>
+            </a:r>
+          </a:p>
         </p:txBody>
       </p:sp>
     </p:spTree>
     <p:extLst>
       <p:ext uri="{BB962C8B-B14F-4D97-AF65-F5344CB8AC3E}">
         <p14:creationId xmlns:p14="http://schemas.microsoft.com/office/powerpoint/2010/main" val="1634053834"/>
+      </p:ext>
+    </p:extLst>
+  </p:cSld>
+  <p:clrMapOvr>
+    <a:masterClrMapping/>
+  </p:clrMapOvr>
+</p:sld>
+</file>
+
+<file path=ppt/slides/slide7.xml><?xml version="1.0" encoding="utf-8"?>
+<p:sld xmlns:a="http://schemas.openxmlformats.org/drawingml/2006/main" xmlns:r="http://schemas.openxmlformats.org/officeDocument/2006/relationships" xmlns:p="http://schemas.openxmlformats.org/presentationml/2006/main">
+  <p:cSld>
+    <p:bg>
+      <p:bgPr>
+        <a:blipFill>
+          <a:blip r:embed="rId2">
+            <a:duotone>
+              <a:schemeClr val="bg2">
+                <a:shade val="88000"/>
+                <a:hueMod val="106000"/>
+                <a:satMod val="140000"/>
+                <a:lumMod val="54000"/>
+              </a:schemeClr>
+              <a:schemeClr val="bg2">
+                <a:tint val="98000"/>
+                <a:hueMod val="90000"/>
+                <a:satMod val="150000"/>
+                <a:lumMod val="160000"/>
+              </a:schemeClr>
+            </a:duotone>
+          </a:blip>
+          <a:stretch/>
+        </a:blipFill>
+        <a:effectLst/>
+      </p:bgPr>
+    </p:bg>
+    <p:spTree>
+      <p:nvGrpSpPr>
+        <p:cNvPr id="1" name=""/>
+        <p:cNvGrpSpPr/>
+        <p:nvPr/>
+      </p:nvGrpSpPr>
+      <p:grpSpPr>
+        <a:xfrm>
+          <a:off x="0" y="0"/>
+          <a:ext cx="0" cy="0"/>
+          <a:chOff x="0" y="0"/>
+          <a:chExt cx="0" cy="0"/>
+        </a:xfrm>
+      </p:grpSpPr>
+      <p:sp>
+        <p:nvSpPr>
+          <p:cNvPr id="2" name="Title 1">
+            <a:extLst>
+              <a:ext uri="{FF2B5EF4-FFF2-40B4-BE49-F238E27FC236}">
+                <a16:creationId xmlns:a16="http://schemas.microsoft.com/office/drawing/2014/main" id="{E4950A25-34A9-4DFA-89AD-790E56938222}"/>
+              </a:ext>
+            </a:extLst>
+          </p:cNvPr>
+          <p:cNvSpPr>
+            <a:spLocks noGrp="1"/>
+          </p:cNvSpPr>
+          <p:nvPr>
+            <p:ph type="title"/>
+          </p:nvPr>
+        </p:nvSpPr>
+        <p:spPr>
+          <a:xfrm>
+            <a:off x="1141413" y="618518"/>
+            <a:ext cx="9905998" cy="1478570"/>
+          </a:xfrm>
+        </p:spPr>
+        <p:txBody>
+          <a:bodyPr>
+            <a:normAutofit/>
+          </a:bodyPr>
+          <a:lstStyle/>
+          <a:p>
+            <a:r>
+              <a:rPr lang="en-AU"/>
+              <a:t>Limitation to LSTM strategy</a:t>
+            </a:r>
+          </a:p>
+        </p:txBody>
+      </p:sp>
+      <p:pic>
+        <p:nvPicPr>
+          <p:cNvPr id="5" name="Picture 4">
+            <a:extLst>
+              <a:ext uri="{FF2B5EF4-FFF2-40B4-BE49-F238E27FC236}">
+                <a16:creationId xmlns:a16="http://schemas.microsoft.com/office/drawing/2014/main" id="{575D8C21-4310-477D-9387-9521E4509ACE}"/>
+              </a:ext>
+            </a:extLst>
+          </p:cNvPr>
+          <p:cNvPicPr>
+            <a:picLocks noChangeAspect="1"/>
+          </p:cNvPicPr>
+          <p:nvPr/>
+        </p:nvPicPr>
+        <p:blipFill>
+          <a:blip r:embed="rId3"/>
+          <a:stretch>
+            <a:fillRect/>
+          </a:stretch>
+        </p:blipFill>
+        <p:spPr>
+          <a:xfrm>
+            <a:off x="1141411" y="2283434"/>
+            <a:ext cx="4689234" cy="3481756"/>
+          </a:xfrm>
+          <a:prstGeom prst="round2DiagRect">
+            <a:avLst>
+              <a:gd name="adj1" fmla="val 5608"/>
+              <a:gd name="adj2" fmla="val 0"/>
+            </a:avLst>
+          </a:prstGeom>
+          <a:ln w="19050" cap="sq">
+            <a:solidFill>
+              <a:schemeClr val="tx2">
+                <a:lumMod val="60000"/>
+                <a:lumOff val="40000"/>
+                <a:alpha val="60000"/>
+              </a:schemeClr>
+            </a:solidFill>
+            <a:miter lim="800000"/>
+          </a:ln>
+          <a:effectLst>
+            <a:outerShdw blurRad="88900" dist="38100" dir="5400000" algn="t" rotWithShape="0">
+              <a:prstClr val="black">
+                <a:alpha val="40000"/>
+              </a:prstClr>
+            </a:outerShdw>
+          </a:effectLst>
+        </p:spPr>
+      </p:pic>
+      <p:sp>
+        <p:nvSpPr>
+          <p:cNvPr id="3" name="Content Placeholder 2">
+            <a:extLst>
+              <a:ext uri="{FF2B5EF4-FFF2-40B4-BE49-F238E27FC236}">
+                <a16:creationId xmlns:a16="http://schemas.microsoft.com/office/drawing/2014/main" id="{344F2FF5-C6B9-40D2-821A-DB02AB92CBC6}"/>
+              </a:ext>
+            </a:extLst>
+          </p:cNvPr>
+          <p:cNvSpPr>
+            <a:spLocks noGrp="1"/>
+          </p:cNvSpPr>
+          <p:nvPr>
+            <p:ph idx="1"/>
+          </p:nvPr>
+        </p:nvSpPr>
+        <p:spPr>
+          <a:xfrm>
+            <a:off x="6336727" y="2249487"/>
+            <a:ext cx="4710683" cy="3541714"/>
+          </a:xfrm>
+        </p:spPr>
+        <p:txBody>
+          <a:bodyPr>
+            <a:normAutofit/>
+          </a:bodyPr>
+          <a:lstStyle/>
+          <a:p>
+            <a:r>
+              <a:rPr lang="en-AU" dirty="0"/>
+              <a:t>Assumes infinite capital</a:t>
+            </a:r>
+          </a:p>
+          <a:p>
+            <a:r>
+              <a:rPr lang="en-AU" dirty="0"/>
+              <a:t>No trades for extended period of time if the estimation is severely over or underestimating the price</a:t>
+            </a:r>
+          </a:p>
+          <a:p>
+            <a:r>
+              <a:rPr lang="en-AU" dirty="0"/>
+              <a:t>ROI calculated based on maximum trade since only one positions exists at a time</a:t>
+            </a:r>
+          </a:p>
+          <a:p>
+            <a:endParaRPr lang="en-AU" dirty="0"/>
+          </a:p>
+        </p:txBody>
+      </p:sp>
+    </p:spTree>
+    <p:extLst>
+      <p:ext uri="{BB962C8B-B14F-4D97-AF65-F5344CB8AC3E}">
+        <p14:creationId xmlns:p14="http://schemas.microsoft.com/office/powerpoint/2010/main" val="2975189211"/>
       </p:ext>
     </p:extLst>
   </p:cSld>
